--- a/fraud_detection.pptx
+++ b/fraud_detection.pptx
@@ -4,9 +4,13 @@
   <p:sldMasterIdLst>
     <p:sldMasterId id="2147483648" r:id="rId1"/>
   </p:sldMasterIdLst>
+  <p:notesMasterIdLst>
+    <p:notesMasterId r:id="rId5"/>
+  </p:notesMasterIdLst>
   <p:sldIdLst>
     <p:sldId id="256" r:id="rId2"/>
     <p:sldId id="257" r:id="rId3"/>
+    <p:sldId id="258" r:id="rId4"/>
   </p:sldIdLst>
   <p:sldSz cx="12192000" cy="6858000"/>
   <p:notesSz cx="6858000" cy="9144000"/>
@@ -111,6 +115,439 @@
     </p:ext>
   </p:extLst>
 </p:presentation>
+</file>
+
+<file path=ppt/notesMasters/notesMaster1.xml><?xml version="1.0" encoding="utf-8"?>
+<p:notesMaster xmlns:a="http://schemas.openxmlformats.org/drawingml/2006/main" xmlns:r="http://schemas.openxmlformats.org/officeDocument/2006/relationships" xmlns:p="http://schemas.openxmlformats.org/presentationml/2006/main">
+  <p:cSld>
+    <p:bg>
+      <p:bgRef idx="1001">
+        <a:schemeClr val="bg1"/>
+      </p:bgRef>
+    </p:bg>
+    <p:spTree>
+      <p:nvGrpSpPr>
+        <p:cNvPr id="1" name=""/>
+        <p:cNvGrpSpPr/>
+        <p:nvPr/>
+      </p:nvGrpSpPr>
+      <p:grpSpPr>
+        <a:xfrm>
+          <a:off x="0" y="0"/>
+          <a:ext cx="0" cy="0"/>
+          <a:chOff x="0" y="0"/>
+          <a:chExt cx="0" cy="0"/>
+        </a:xfrm>
+      </p:grpSpPr>
+      <p:sp>
+        <p:nvSpPr>
+          <p:cNvPr id="2" name="Header Placeholder 1"/>
+          <p:cNvSpPr>
+            <a:spLocks noGrp="1"/>
+          </p:cNvSpPr>
+          <p:nvPr>
+            <p:ph type="hdr" sz="quarter"/>
+          </p:nvPr>
+        </p:nvSpPr>
+        <p:spPr>
+          <a:xfrm>
+            <a:off x="0" y="0"/>
+            <a:ext cx="2971800" cy="458788"/>
+          </a:xfrm>
+          <a:prstGeom prst="rect">
+            <a:avLst/>
+          </a:prstGeom>
+        </p:spPr>
+        <p:txBody>
+          <a:bodyPr vert="horz" lIns="91440" tIns="45720" rIns="91440" bIns="45720" rtlCol="0"/>
+          <a:lstStyle>
+            <a:lvl1pPr algn="l">
+              <a:defRPr sz="1200"/>
+            </a:lvl1pPr>
+          </a:lstStyle>
+          <a:p>
+            <a:endParaRPr lang="en-US"/>
+          </a:p>
+        </p:txBody>
+      </p:sp>
+      <p:sp>
+        <p:nvSpPr>
+          <p:cNvPr id="3" name="Date Placeholder 2"/>
+          <p:cNvSpPr>
+            <a:spLocks noGrp="1"/>
+          </p:cNvSpPr>
+          <p:nvPr>
+            <p:ph type="dt" idx="1"/>
+          </p:nvPr>
+        </p:nvSpPr>
+        <p:spPr>
+          <a:xfrm>
+            <a:off x="3884613" y="0"/>
+            <a:ext cx="2971800" cy="458788"/>
+          </a:xfrm>
+          <a:prstGeom prst="rect">
+            <a:avLst/>
+          </a:prstGeom>
+        </p:spPr>
+        <p:txBody>
+          <a:bodyPr vert="horz" lIns="91440" tIns="45720" rIns="91440" bIns="45720" rtlCol="0"/>
+          <a:lstStyle>
+            <a:lvl1pPr algn="r">
+              <a:defRPr sz="1200"/>
+            </a:lvl1pPr>
+          </a:lstStyle>
+          <a:p>
+            <a:fld id="{392AA823-6DC4-2149-8657-82A4C91A0D08}" type="datetimeFigureOut">
+              <a:rPr lang="en-US" smtClean="0"/>
+              <a:t>8/30/18</a:t>
+            </a:fld>
+            <a:endParaRPr lang="en-US"/>
+          </a:p>
+        </p:txBody>
+      </p:sp>
+      <p:sp>
+        <p:nvSpPr>
+          <p:cNvPr id="4" name="Slide Image Placeholder 3"/>
+          <p:cNvSpPr>
+            <a:spLocks noGrp="1" noRot="1" noChangeAspect="1"/>
+          </p:cNvSpPr>
+          <p:nvPr>
+            <p:ph type="sldImg" idx="2"/>
+          </p:nvPr>
+        </p:nvSpPr>
+        <p:spPr>
+          <a:xfrm>
+            <a:off x="685800" y="1143000"/>
+            <a:ext cx="5486400" cy="3086100"/>
+          </a:xfrm>
+          <a:prstGeom prst="rect">
+            <a:avLst/>
+          </a:prstGeom>
+          <a:noFill/>
+          <a:ln w="12700">
+            <a:solidFill>
+              <a:prstClr val="black"/>
+            </a:solidFill>
+          </a:ln>
+        </p:spPr>
+        <p:txBody>
+          <a:bodyPr vert="horz" lIns="91440" tIns="45720" rIns="91440" bIns="45720" rtlCol="0" anchor="ctr"/>
+          <a:lstStyle/>
+          <a:p>
+            <a:endParaRPr lang="en-US"/>
+          </a:p>
+        </p:txBody>
+      </p:sp>
+      <p:sp>
+        <p:nvSpPr>
+          <p:cNvPr id="5" name="Notes Placeholder 4"/>
+          <p:cNvSpPr>
+            <a:spLocks noGrp="1"/>
+          </p:cNvSpPr>
+          <p:nvPr>
+            <p:ph type="body" sz="quarter" idx="3"/>
+          </p:nvPr>
+        </p:nvSpPr>
+        <p:spPr>
+          <a:xfrm>
+            <a:off x="685800" y="4400550"/>
+            <a:ext cx="5486400" cy="3600450"/>
+          </a:xfrm>
+          <a:prstGeom prst="rect">
+            <a:avLst/>
+          </a:prstGeom>
+        </p:spPr>
+        <p:txBody>
+          <a:bodyPr vert="horz" lIns="91440" tIns="45720" rIns="91440" bIns="45720" rtlCol="0"/>
+          <a:lstStyle/>
+          <a:p>
+            <a:pPr lvl="0"/>
+            <a:r>
+              <a:rPr lang="en-US"/>
+              <a:t>Edit Master text styles</a:t>
+            </a:r>
+          </a:p>
+          <a:p>
+            <a:pPr lvl="1"/>
+            <a:r>
+              <a:rPr lang="en-US"/>
+              <a:t>Second level</a:t>
+            </a:r>
+          </a:p>
+          <a:p>
+            <a:pPr lvl="2"/>
+            <a:r>
+              <a:rPr lang="en-US"/>
+              <a:t>Third level</a:t>
+            </a:r>
+          </a:p>
+          <a:p>
+            <a:pPr lvl="3"/>
+            <a:r>
+              <a:rPr lang="en-US"/>
+              <a:t>Fourth level</a:t>
+            </a:r>
+          </a:p>
+          <a:p>
+            <a:pPr lvl="4"/>
+            <a:r>
+              <a:rPr lang="en-US"/>
+              <a:t>Fifth level</a:t>
+            </a:r>
+          </a:p>
+        </p:txBody>
+      </p:sp>
+      <p:sp>
+        <p:nvSpPr>
+          <p:cNvPr id="6" name="Footer Placeholder 5"/>
+          <p:cNvSpPr>
+            <a:spLocks noGrp="1"/>
+          </p:cNvSpPr>
+          <p:nvPr>
+            <p:ph type="ftr" sz="quarter" idx="4"/>
+          </p:nvPr>
+        </p:nvSpPr>
+        <p:spPr>
+          <a:xfrm>
+            <a:off x="0" y="8685213"/>
+            <a:ext cx="2971800" cy="458787"/>
+          </a:xfrm>
+          <a:prstGeom prst="rect">
+            <a:avLst/>
+          </a:prstGeom>
+        </p:spPr>
+        <p:txBody>
+          <a:bodyPr vert="horz" lIns="91440" tIns="45720" rIns="91440" bIns="45720" rtlCol="0" anchor="b"/>
+          <a:lstStyle>
+            <a:lvl1pPr algn="l">
+              <a:defRPr sz="1200"/>
+            </a:lvl1pPr>
+          </a:lstStyle>
+          <a:p>
+            <a:endParaRPr lang="en-US"/>
+          </a:p>
+        </p:txBody>
+      </p:sp>
+      <p:sp>
+        <p:nvSpPr>
+          <p:cNvPr id="7" name="Slide Number Placeholder 6"/>
+          <p:cNvSpPr>
+            <a:spLocks noGrp="1"/>
+          </p:cNvSpPr>
+          <p:nvPr>
+            <p:ph type="sldNum" sz="quarter" idx="5"/>
+          </p:nvPr>
+        </p:nvSpPr>
+        <p:spPr>
+          <a:xfrm>
+            <a:off x="3884613" y="8685213"/>
+            <a:ext cx="2971800" cy="458787"/>
+          </a:xfrm>
+          <a:prstGeom prst="rect">
+            <a:avLst/>
+          </a:prstGeom>
+        </p:spPr>
+        <p:txBody>
+          <a:bodyPr vert="horz" lIns="91440" tIns="45720" rIns="91440" bIns="45720" rtlCol="0" anchor="b"/>
+          <a:lstStyle>
+            <a:lvl1pPr algn="r">
+              <a:defRPr sz="1200"/>
+            </a:lvl1pPr>
+          </a:lstStyle>
+          <a:p>
+            <a:fld id="{AED74B7F-10F0-AA4A-A8B5-E2A1C8F2E1ED}" type="slidenum">
+              <a:rPr lang="en-US" smtClean="0"/>
+              <a:t>‹#›</a:t>
+            </a:fld>
+            <a:endParaRPr lang="en-US"/>
+          </a:p>
+        </p:txBody>
+      </p:sp>
+    </p:spTree>
+    <p:extLst>
+      <p:ext uri="{BB962C8B-B14F-4D97-AF65-F5344CB8AC3E}">
+        <p14:creationId xmlns:p14="http://schemas.microsoft.com/office/powerpoint/2010/main" val="3374380340"/>
+      </p:ext>
+    </p:extLst>
+  </p:cSld>
+  <p:clrMap bg1="lt1" tx1="dk1" bg2="lt2" tx2="dk2" accent1="accent1" accent2="accent2" accent3="accent3" accent4="accent4" accent5="accent5" accent6="accent6" hlink="hlink" folHlink="folHlink"/>
+  <p:notesStyle>
+    <a:lvl1pPr marL="0" algn="l" defTabSz="914400" rtl="0" eaLnBrk="1" latinLnBrk="0" hangingPunct="1">
+      <a:defRPr sz="1200" kern="1200">
+        <a:solidFill>
+          <a:schemeClr val="tx1"/>
+        </a:solidFill>
+        <a:latin typeface="+mn-lt"/>
+        <a:ea typeface="+mn-ea"/>
+        <a:cs typeface="+mn-cs"/>
+      </a:defRPr>
+    </a:lvl1pPr>
+    <a:lvl2pPr marL="457200" algn="l" defTabSz="914400" rtl="0" eaLnBrk="1" latinLnBrk="0" hangingPunct="1">
+      <a:defRPr sz="1200" kern="1200">
+        <a:solidFill>
+          <a:schemeClr val="tx1"/>
+        </a:solidFill>
+        <a:latin typeface="+mn-lt"/>
+        <a:ea typeface="+mn-ea"/>
+        <a:cs typeface="+mn-cs"/>
+      </a:defRPr>
+    </a:lvl2pPr>
+    <a:lvl3pPr marL="914400" algn="l" defTabSz="914400" rtl="0" eaLnBrk="1" latinLnBrk="0" hangingPunct="1">
+      <a:defRPr sz="1200" kern="1200">
+        <a:solidFill>
+          <a:schemeClr val="tx1"/>
+        </a:solidFill>
+        <a:latin typeface="+mn-lt"/>
+        <a:ea typeface="+mn-ea"/>
+        <a:cs typeface="+mn-cs"/>
+      </a:defRPr>
+    </a:lvl3pPr>
+    <a:lvl4pPr marL="1371600" algn="l" defTabSz="914400" rtl="0" eaLnBrk="1" latinLnBrk="0" hangingPunct="1">
+      <a:defRPr sz="1200" kern="1200">
+        <a:solidFill>
+          <a:schemeClr val="tx1"/>
+        </a:solidFill>
+        <a:latin typeface="+mn-lt"/>
+        <a:ea typeface="+mn-ea"/>
+        <a:cs typeface="+mn-cs"/>
+      </a:defRPr>
+    </a:lvl4pPr>
+    <a:lvl5pPr marL="1828800" algn="l" defTabSz="914400" rtl="0" eaLnBrk="1" latinLnBrk="0" hangingPunct="1">
+      <a:defRPr sz="1200" kern="1200">
+        <a:solidFill>
+          <a:schemeClr val="tx1"/>
+        </a:solidFill>
+        <a:latin typeface="+mn-lt"/>
+        <a:ea typeface="+mn-ea"/>
+        <a:cs typeface="+mn-cs"/>
+      </a:defRPr>
+    </a:lvl5pPr>
+    <a:lvl6pPr marL="2286000" algn="l" defTabSz="914400" rtl="0" eaLnBrk="1" latinLnBrk="0" hangingPunct="1">
+      <a:defRPr sz="1200" kern="1200">
+        <a:solidFill>
+          <a:schemeClr val="tx1"/>
+        </a:solidFill>
+        <a:latin typeface="+mn-lt"/>
+        <a:ea typeface="+mn-ea"/>
+        <a:cs typeface="+mn-cs"/>
+      </a:defRPr>
+    </a:lvl6pPr>
+    <a:lvl7pPr marL="2743200" algn="l" defTabSz="914400" rtl="0" eaLnBrk="1" latinLnBrk="0" hangingPunct="1">
+      <a:defRPr sz="1200" kern="1200">
+        <a:solidFill>
+          <a:schemeClr val="tx1"/>
+        </a:solidFill>
+        <a:latin typeface="+mn-lt"/>
+        <a:ea typeface="+mn-ea"/>
+        <a:cs typeface="+mn-cs"/>
+      </a:defRPr>
+    </a:lvl7pPr>
+    <a:lvl8pPr marL="3200400" algn="l" defTabSz="914400" rtl="0" eaLnBrk="1" latinLnBrk="0" hangingPunct="1">
+      <a:defRPr sz="1200" kern="1200">
+        <a:solidFill>
+          <a:schemeClr val="tx1"/>
+        </a:solidFill>
+        <a:latin typeface="+mn-lt"/>
+        <a:ea typeface="+mn-ea"/>
+        <a:cs typeface="+mn-cs"/>
+      </a:defRPr>
+    </a:lvl8pPr>
+    <a:lvl9pPr marL="3657600" algn="l" defTabSz="914400" rtl="0" eaLnBrk="1" latinLnBrk="0" hangingPunct="1">
+      <a:defRPr sz="1200" kern="1200">
+        <a:solidFill>
+          <a:schemeClr val="tx1"/>
+        </a:solidFill>
+        <a:latin typeface="+mn-lt"/>
+        <a:ea typeface="+mn-ea"/>
+        <a:cs typeface="+mn-cs"/>
+      </a:defRPr>
+    </a:lvl9pPr>
+  </p:notesStyle>
+</p:notesMaster>
+</file>
+
+<file path=ppt/notesSlides/notesSlide1.xml><?xml version="1.0" encoding="utf-8"?>
+<p:notes xmlns:a="http://schemas.openxmlformats.org/drawingml/2006/main" xmlns:r="http://schemas.openxmlformats.org/officeDocument/2006/relationships" xmlns:p="http://schemas.openxmlformats.org/presentationml/2006/main">
+  <p:cSld>
+    <p:spTree>
+      <p:nvGrpSpPr>
+        <p:cNvPr id="1" name=""/>
+        <p:cNvGrpSpPr/>
+        <p:nvPr/>
+      </p:nvGrpSpPr>
+      <p:grpSpPr>
+        <a:xfrm>
+          <a:off x="0" y="0"/>
+          <a:ext cx="0" cy="0"/>
+          <a:chOff x="0" y="0"/>
+          <a:chExt cx="0" cy="0"/>
+        </a:xfrm>
+      </p:grpSpPr>
+      <p:sp>
+        <p:nvSpPr>
+          <p:cNvPr id="2" name="Slide Image Placeholder 1"/>
+          <p:cNvSpPr>
+            <a:spLocks noGrp="1" noRot="1" noChangeAspect="1"/>
+          </p:cNvSpPr>
+          <p:nvPr>
+            <p:ph type="sldImg"/>
+          </p:nvPr>
+        </p:nvSpPr>
+        <p:spPr/>
+      </p:sp>
+      <p:sp>
+        <p:nvSpPr>
+          <p:cNvPr id="3" name="Notes Placeholder 2"/>
+          <p:cNvSpPr>
+            <a:spLocks noGrp="1"/>
+          </p:cNvSpPr>
+          <p:nvPr>
+            <p:ph type="body" idx="1"/>
+          </p:nvPr>
+        </p:nvSpPr>
+        <p:spPr/>
+        <p:txBody>
+          <a:bodyPr/>
+          <a:lstStyle/>
+          <a:p>
+            <a:endParaRPr lang="en-US" dirty="0"/>
+          </a:p>
+        </p:txBody>
+      </p:sp>
+      <p:sp>
+        <p:nvSpPr>
+          <p:cNvPr id="4" name="Slide Number Placeholder 3"/>
+          <p:cNvSpPr>
+            <a:spLocks noGrp="1"/>
+          </p:cNvSpPr>
+          <p:nvPr>
+            <p:ph type="sldNum" sz="quarter" idx="5"/>
+          </p:nvPr>
+        </p:nvSpPr>
+        <p:spPr/>
+        <p:txBody>
+          <a:bodyPr/>
+          <a:lstStyle/>
+          <a:p>
+            <a:fld id="{AED74B7F-10F0-AA4A-A8B5-E2A1C8F2E1ED}" type="slidenum">
+              <a:rPr lang="en-US" smtClean="0"/>
+              <a:t>3</a:t>
+            </a:fld>
+            <a:endParaRPr lang="en-US"/>
+          </a:p>
+        </p:txBody>
+      </p:sp>
+    </p:spTree>
+    <p:extLst>
+      <p:ext uri="{BB962C8B-B14F-4D97-AF65-F5344CB8AC3E}">
+        <p14:creationId xmlns:p14="http://schemas.microsoft.com/office/powerpoint/2010/main" val="2019603953"/>
+      </p:ext>
+    </p:extLst>
+  </p:cSld>
+  <p:clrMapOvr>
+    <a:masterClrMapping/>
+  </p:clrMapOvr>
+</p:notes>
 </file>
 
 <file path=ppt/slideLayouts/slideLayout1.xml><?xml version="1.0" encoding="utf-8"?>
@@ -5945,6 +6382,895 @@
 </p:sld>
 </file>
 
+<file path=ppt/slides/slide3.xml><?xml version="1.0" encoding="utf-8"?>
+<p:sld xmlns:a="http://schemas.openxmlformats.org/drawingml/2006/main" xmlns:r="http://schemas.openxmlformats.org/officeDocument/2006/relationships" xmlns:p="http://schemas.openxmlformats.org/presentationml/2006/main">
+  <p:cSld>
+    <p:bg>
+      <p:bgPr>
+        <a:solidFill>
+          <a:schemeClr val="bg1"/>
+        </a:solidFill>
+        <a:effectLst/>
+      </p:bgPr>
+    </p:bg>
+    <p:spTree>
+      <p:nvGrpSpPr>
+        <p:cNvPr id="1" name=""/>
+        <p:cNvGrpSpPr/>
+        <p:nvPr/>
+      </p:nvGrpSpPr>
+      <p:grpSpPr>
+        <a:xfrm>
+          <a:off x="0" y="0"/>
+          <a:ext cx="0" cy="0"/>
+          <a:chOff x="0" y="0"/>
+          <a:chExt cx="0" cy="0"/>
+        </a:xfrm>
+      </p:grpSpPr>
+      <p:grpSp>
+        <p:nvGrpSpPr>
+          <p:cNvPr id="33" name="Group 32">
+            <a:extLst>
+              <a:ext uri="{FF2B5EF4-FFF2-40B4-BE49-F238E27FC236}">
+                <a16:creationId xmlns:a16="http://schemas.microsoft.com/office/drawing/2014/main" id="{3A6526ED-BFCB-2F42-ADD2-3BA540BE7624}"/>
+              </a:ext>
+            </a:extLst>
+          </p:cNvPr>
+          <p:cNvGrpSpPr/>
+          <p:nvPr/>
+        </p:nvGrpSpPr>
+        <p:grpSpPr>
+          <a:xfrm>
+            <a:off x="404037" y="108100"/>
+            <a:ext cx="11206716" cy="6322574"/>
+            <a:chOff x="404037" y="108100"/>
+            <a:chExt cx="11206716" cy="6322574"/>
+          </a:xfrm>
+        </p:grpSpPr>
+        <p:grpSp>
+          <p:nvGrpSpPr>
+            <p:cNvPr id="30" name="Group 29">
+              <a:extLst>
+                <a:ext uri="{FF2B5EF4-FFF2-40B4-BE49-F238E27FC236}">
+                  <a16:creationId xmlns:a16="http://schemas.microsoft.com/office/drawing/2014/main" id="{2A6C4A60-8DDF-1941-BD1D-F26CEF223D4F}"/>
+                </a:ext>
+              </a:extLst>
+            </p:cNvPr>
+            <p:cNvGrpSpPr/>
+            <p:nvPr/>
+          </p:nvGrpSpPr>
+          <p:grpSpPr>
+            <a:xfrm>
+              <a:off x="1290429" y="483604"/>
+              <a:ext cx="9339667" cy="5225756"/>
+              <a:chOff x="1290429" y="483604"/>
+              <a:chExt cx="9339667" cy="5225756"/>
+            </a:xfrm>
+          </p:grpSpPr>
+          <p:grpSp>
+            <p:nvGrpSpPr>
+              <p:cNvPr id="14" name="Group 13">
+                <a:extLst>
+                  <a:ext uri="{FF2B5EF4-FFF2-40B4-BE49-F238E27FC236}">
+                    <a16:creationId xmlns:a16="http://schemas.microsoft.com/office/drawing/2014/main" id="{C5894F04-A0EA-4B4F-8FD2-5115E91766A4}"/>
+                  </a:ext>
+                </a:extLst>
+              </p:cNvPr>
+              <p:cNvGrpSpPr/>
+              <p:nvPr/>
+            </p:nvGrpSpPr>
+            <p:grpSpPr>
+              <a:xfrm>
+                <a:off x="2671598" y="1060278"/>
+                <a:ext cx="6507074" cy="3895107"/>
+                <a:chOff x="3766752" y="369161"/>
+                <a:chExt cx="6507074" cy="3895107"/>
+              </a:xfrm>
+            </p:grpSpPr>
+            <p:pic>
+              <p:nvPicPr>
+                <p:cNvPr id="12" name="Picture 11">
+                  <a:extLst>
+                    <a:ext uri="{FF2B5EF4-FFF2-40B4-BE49-F238E27FC236}">
+                      <a16:creationId xmlns:a16="http://schemas.microsoft.com/office/drawing/2014/main" id="{8756D34E-9660-484B-A34F-9A70E6D8FF5C}"/>
+                    </a:ext>
+                  </a:extLst>
+                </p:cNvPr>
+                <p:cNvPicPr>
+                  <a:picLocks noChangeAspect="1"/>
+                </p:cNvPicPr>
+                <p:nvPr/>
+              </p:nvPicPr>
+              <p:blipFill>
+                <a:blip r:embed="rId3">
+                  <a:extLst>
+                    <a:ext uri="{BEBA8EAE-BF5A-486C-A8C5-ECC9F3942E4B}">
+                      <a14:imgProps xmlns:a14="http://schemas.microsoft.com/office/drawing/2010/main">
+                        <a14:imgLayer>
+                          <a14:imgEffect>
+                            <a14:backgroundRemoval t="1991" b="98244" l="2484" r="99160">
+                              <a14:foregroundMark x1="3068" y1="54625" x2="8145" y2="39461"/>
+                              <a14:foregroundMark x1="8145" y1="39461" x2="16435" y2="26639"/>
+                              <a14:foregroundMark x1="16435" y1="26639" x2="32615" y2="17037"/>
+                              <a14:foregroundMark x1="32615" y1="17037" x2="37436" y2="17155"/>
+                              <a14:foregroundMark x1="3068" y1="54508" x2="4346" y2="45726"/>
+                              <a14:foregroundMark x1="4346" y1="45726" x2="10044" y2="32553"/>
+                              <a14:foregroundMark x1="10044" y1="32553" x2="27977" y2="9368"/>
+                              <a14:foregroundMark x1="27977" y1="9368" x2="33053" y2="7553"/>
+                              <a14:foregroundMark x1="33053" y1="7553" x2="46202" y2="7553"/>
+                              <a14:foregroundMark x1="46202" y1="7553" x2="51169" y2="7143"/>
+                              <a14:foregroundMark x1="51169" y1="7143" x2="54602" y2="12763"/>
+                              <a14:foregroundMark x1="54602" y1="12763" x2="52739" y2="71370"/>
+                              <a14:foregroundMark x1="52739" y1="71370" x2="48283" y2="79098"/>
+                              <a14:foregroundMark x1="48283" y1="79098" x2="37619" y2="84426"/>
+                              <a14:foregroundMark x1="37619" y1="84426" x2="25310" y2="85012"/>
+                              <a14:foregroundMark x1="45289" y1="2108" x2="48868" y2="1991"/>
+                              <a14:foregroundMark x1="2520" y1="39871" x2="2520" y2="48595"/>
+                              <a14:foregroundMark x1="2520" y1="48595" x2="2666" y2="49473"/>
+                              <a14:foregroundMark x1="88824" y1="24824" x2="91965" y2="31206"/>
+                              <a14:foregroundMark x1="91965" y1="31206" x2="92768" y2="38934"/>
+                              <a14:foregroundMark x1="92768" y1="38934" x2="90321" y2="56265"/>
+                              <a14:foregroundMark x1="90321" y1="56265" x2="87290" y2="63466"/>
+                              <a14:foregroundMark x1="87290" y1="63466" x2="82907" y2="69262"/>
+                              <a14:foregroundMark x1="82907" y1="69262" x2="72644" y2="75937"/>
+                              <a14:foregroundMark x1="72644" y1="75937" x2="62491" y2="77342"/>
+                              <a14:foregroundMark x1="62491" y1="77342" x2="61943" y2="77225"/>
+                              <a14:foregroundMark x1="83966" y1="24707" x2="89153" y2="41101"/>
+                              <a14:foregroundMark x1="89153" y1="41101" x2="88568" y2="58138"/>
+                              <a14:foregroundMark x1="88568" y1="58138" x2="85902" y2="65691"/>
+                              <a14:foregroundMark x1="85902" y1="65691" x2="74470" y2="73946"/>
+                              <a14:foregroundMark x1="74470" y1="73946" x2="54018" y2="82377"/>
+                              <a14:foregroundMark x1="54018" y1="82377" x2="40029" y2="79567"/>
+                              <a14:foregroundMark x1="76917" y1="36885" x2="75639" y2="48361"/>
+                              <a14:foregroundMark x1="75639" y1="48361" x2="63587" y2="69028"/>
+                              <a14:foregroundMark x1="63587" y1="69028" x2="59094" y2="73770"/>
+                              <a14:foregroundMark x1="59094" y1="73770" x2="37655" y2="77576"/>
+                              <a14:foregroundMark x1="37655" y1="77576" x2="37144" y2="77049"/>
+                              <a14:foregroundMark x1="65047" y1="40398" x2="57159" y2="58841"/>
+                              <a14:foregroundMark x1="57159" y1="58841" x2="47078" y2="71956"/>
+                              <a14:foregroundMark x1="47078" y1="71956" x2="33820" y2="78396"/>
+                              <a14:foregroundMark x1="33820" y1="78396" x2="29438" y2="77576"/>
+                              <a14:foregroundMark x1="56720" y1="44672" x2="38422" y2="78162"/>
+                              <a14:foregroundMark x1="38422" y1="78162" x2="33419" y2="82670"/>
+                              <a14:foregroundMark x1="33419" y1="82670" x2="26516" y2="84485"/>
+                              <a14:foregroundMark x1="26516" y1="84485" x2="20891" y2="82260"/>
+                              <a14:foregroundMark x1="20891" y1="82260" x2="17495" y2="82670"/>
+                              <a14:foregroundMark x1="80643" y1="59543" x2="44193" y2="59778"/>
+                              <a14:foregroundMark x1="44193" y1="59778" x2="34368" y2="67213"/>
+                              <a14:foregroundMark x1="34368" y1="67213" x2="33565" y2="67330"/>
+                              <a14:foregroundMark x1="69467" y1="48946" x2="77100" y2="49063"/>
+                              <a14:foregroundMark x1="77100" y1="49063" x2="81191" y2="54098"/>
+                              <a14:foregroundMark x1="81191" y1="54098" x2="73923" y2="67974"/>
+                              <a14:foregroundMark x1="73923" y1="67974" x2="68846" y2="71487"/>
+                              <a14:foregroundMark x1="68846" y1="71487" x2="67312" y2="71487"/>
+                              <a14:foregroundMark x1="63185" y1="58782" x2="80205" y2="45082"/>
+                              <a14:foregroundMark x1="80205" y1="45082" x2="83711" y2="39578"/>
+                              <a14:foregroundMark x1="93024" y1="32436" x2="94558" y2="52166"/>
+                              <a14:foregroundMark x1="94558" y1="52166" x2="92915" y2="59719"/>
+                              <a14:foregroundMark x1="92915" y1="59719" x2="87144" y2="70316"/>
+                              <a14:foregroundMark x1="87144" y1="70316" x2="74470" y2="72775"/>
+                              <a14:foregroundMark x1="74470" y1="72775" x2="80168" y2="72248"/>
+                              <a14:foregroundMark x1="80168" y1="72248" x2="80351" y2="64403"/>
+                              <a14:foregroundMark x1="80351" y1="64403" x2="80789" y2="64988"/>
+                              <a14:foregroundMark x1="19576" y1="78103" x2="24470" y2="84192"/>
+                              <a14:foregroundMark x1="24470" y1="84192" x2="29218" y2="86827"/>
+                              <a14:foregroundMark x1="29218" y1="86827" x2="34624" y2="87178"/>
+                              <a14:foregroundMark x1="34624" y1="87178" x2="65267" y2="83080"/>
+                              <a14:foregroundMark x1="65267" y1="83080" x2="72790" y2="76932"/>
+                              <a14:foregroundMark x1="13258" y1="81850" x2="32871" y2="92740"/>
+                              <a14:foregroundMark x1="32871" y1="92740" x2="38422" y2="93677"/>
+                              <a14:foregroundMark x1="38422" y1="93677" x2="49489" y2="90691"/>
+                              <a14:foregroundMark x1="49489" y1="90691" x2="50000" y2="90164"/>
+                              <a14:foregroundMark x1="33419" y1="95902" x2="55698" y2="96019"/>
+                              <a14:foregroundMark x1="55698" y1="96019" x2="61980" y2="94731"/>
+                              <a14:foregroundMark x1="61980" y1="94731" x2="72900" y2="86124"/>
+                              <a14:foregroundMark x1="72900" y1="86124" x2="83236" y2="70082"/>
+                              <a14:foregroundMark x1="92111" y1="28689" x2="94850" y2="35948"/>
+                              <a14:foregroundMark x1="94850" y1="35948" x2="95946" y2="44906"/>
+                              <a14:foregroundMark x1="95946" y1="44906" x2="92476" y2="65222"/>
+                              <a14:foregroundMark x1="92476" y1="65222" x2="88167" y2="69555"/>
+                              <a14:foregroundMark x1="88167" y1="69555" x2="83966" y2="70199"/>
+                              <a14:foregroundMark x1="46421" y1="98068" x2="52557" y2="98244"/>
+                              <a14:foregroundMark x1="52557" y1="98244" x2="54602" y2="97834"/>
+                              <a14:foregroundMark x1="98758" y1="48009" x2="99160" y2="53747"/>
+                            </a14:backgroundRemoval>
+                          </a14:imgEffect>
+                        </a14:imgLayer>
+                      </a14:imgProps>
+                    </a:ext>
+                  </a:extLst>
+                </a:blip>
+                <a:stretch>
+                  <a:fillRect/>
+                </a:stretch>
+              </p:blipFill>
+              <p:spPr>
+                <a:xfrm>
+                  <a:off x="3766752" y="369161"/>
+                  <a:ext cx="6245865" cy="3895107"/>
+                </a:xfrm>
+                <a:prstGeom prst="rect">
+                  <a:avLst/>
+                </a:prstGeom>
+              </p:spPr>
+            </p:pic>
+            <p:sp>
+              <p:nvSpPr>
+                <p:cNvPr id="13" name="TextBox 12">
+                  <a:extLst>
+                    <a:ext uri="{FF2B5EF4-FFF2-40B4-BE49-F238E27FC236}">
+                      <a16:creationId xmlns:a16="http://schemas.microsoft.com/office/drawing/2014/main" id="{6429A28F-5D9F-DF43-9724-81EF5B3F6E0E}"/>
+                    </a:ext>
+                  </a:extLst>
+                </p:cNvPr>
+                <p:cNvSpPr txBox="1"/>
+                <p:nvPr/>
+              </p:nvSpPr>
+              <p:spPr>
+                <a:xfrm>
+                  <a:off x="7021650" y="1244397"/>
+                  <a:ext cx="2401455" cy="430887"/>
+                </a:xfrm>
+                <a:prstGeom prst="rect">
+                  <a:avLst/>
+                </a:prstGeom>
+                <a:noFill/>
+              </p:spPr>
+              <p:txBody>
+                <a:bodyPr wrap="square" rtlCol="0">
+                  <a:spAutoFit/>
+                </a:bodyPr>
+                <a:lstStyle/>
+                <a:p>
+                  <a:r>
+                    <a:rPr lang="en-US" sz="2200" b="1" dirty="0">
+                      <a:solidFill>
+                        <a:schemeClr val="bg1"/>
+                      </a:solidFill>
+                      <a:latin typeface="Arial" panose="020B0604020202020204" pitchFamily="34" charset="0"/>
+                      <a:cs typeface="Arial" panose="020B0604020202020204" pitchFamily="34" charset="0"/>
+                    </a:rPr>
+                    <a:t>Industry</a:t>
+                  </a:r>
+                </a:p>
+              </p:txBody>
+            </p:sp>
+            <p:sp>
+              <p:nvSpPr>
+                <p:cNvPr id="16" name="TextBox 15">
+                  <a:extLst>
+                    <a:ext uri="{FF2B5EF4-FFF2-40B4-BE49-F238E27FC236}">
+                      <a16:creationId xmlns:a16="http://schemas.microsoft.com/office/drawing/2014/main" id="{74CAF6CC-0B10-984E-835C-23A98B1AD34A}"/>
+                    </a:ext>
+                  </a:extLst>
+                </p:cNvPr>
+                <p:cNvSpPr txBox="1"/>
+                <p:nvPr/>
+              </p:nvSpPr>
+              <p:spPr>
+                <a:xfrm>
+                  <a:off x="5134767" y="719415"/>
+                  <a:ext cx="2401455" cy="369332"/>
+                </a:xfrm>
+                <a:prstGeom prst="rect">
+                  <a:avLst/>
+                </a:prstGeom>
+                <a:noFill/>
+              </p:spPr>
+              <p:txBody>
+                <a:bodyPr wrap="square" rtlCol="0">
+                  <a:spAutoFit/>
+                </a:bodyPr>
+                <a:lstStyle/>
+                <a:p>
+                  <a:r>
+                    <a:rPr lang="en-US" b="1" dirty="0">
+                      <a:solidFill>
+                        <a:schemeClr val="bg1"/>
+                      </a:solidFill>
+                      <a:latin typeface="Arial" panose="020B0604020202020204" pitchFamily="34" charset="0"/>
+                      <a:cs typeface="Arial" panose="020B0604020202020204" pitchFamily="34" charset="0"/>
+                    </a:rPr>
+                    <a:t>Amount</a:t>
+                  </a:r>
+                </a:p>
+              </p:txBody>
+            </p:sp>
+            <p:sp>
+              <p:nvSpPr>
+                <p:cNvPr id="17" name="TextBox 16">
+                  <a:extLst>
+                    <a:ext uri="{FF2B5EF4-FFF2-40B4-BE49-F238E27FC236}">
+                      <a16:creationId xmlns:a16="http://schemas.microsoft.com/office/drawing/2014/main" id="{6E4AA81A-B567-0F49-B620-A84C32F09B16}"/>
+                    </a:ext>
+                  </a:extLst>
+                </p:cNvPr>
+                <p:cNvSpPr txBox="1"/>
+                <p:nvPr/>
+              </p:nvSpPr>
+              <p:spPr>
+                <a:xfrm>
+                  <a:off x="7872371" y="2415795"/>
+                  <a:ext cx="2401455" cy="430887"/>
+                </a:xfrm>
+                <a:prstGeom prst="rect">
+                  <a:avLst/>
+                </a:prstGeom>
+                <a:noFill/>
+              </p:spPr>
+              <p:txBody>
+                <a:bodyPr wrap="square" rtlCol="0">
+                  <a:spAutoFit/>
+                </a:bodyPr>
+                <a:lstStyle/>
+                <a:p>
+                  <a:r>
+                    <a:rPr lang="en-US" sz="2200" b="1" dirty="0">
+                      <a:solidFill>
+                        <a:schemeClr val="bg1"/>
+                      </a:solidFill>
+                      <a:latin typeface="Arial" panose="020B0604020202020204" pitchFamily="34" charset="0"/>
+                      <a:cs typeface="Arial" panose="020B0604020202020204" pitchFamily="34" charset="0"/>
+                    </a:rPr>
+                    <a:t>Merchant</a:t>
+                  </a:r>
+                </a:p>
+              </p:txBody>
+            </p:sp>
+            <p:sp>
+              <p:nvSpPr>
+                <p:cNvPr id="18" name="TextBox 17">
+                  <a:extLst>
+                    <a:ext uri="{FF2B5EF4-FFF2-40B4-BE49-F238E27FC236}">
+                      <a16:creationId xmlns:a16="http://schemas.microsoft.com/office/drawing/2014/main" id="{88FE83F3-0A4C-8B46-9454-31F90F9EDA38}"/>
+                    </a:ext>
+                  </a:extLst>
+                </p:cNvPr>
+                <p:cNvSpPr txBox="1"/>
+                <p:nvPr/>
+              </p:nvSpPr>
+              <p:spPr>
+                <a:xfrm>
+                  <a:off x="5984406" y="3089357"/>
+                  <a:ext cx="2401455" cy="430887"/>
+                </a:xfrm>
+                <a:prstGeom prst="rect">
+                  <a:avLst/>
+                </a:prstGeom>
+                <a:noFill/>
+              </p:spPr>
+              <p:txBody>
+                <a:bodyPr wrap="square" rtlCol="0">
+                  <a:spAutoFit/>
+                </a:bodyPr>
+                <a:lstStyle/>
+                <a:p>
+                  <a:r>
+                    <a:rPr lang="en-US" sz="2200" b="1" dirty="0">
+                      <a:solidFill>
+                        <a:schemeClr val="bg1"/>
+                      </a:solidFill>
+                      <a:latin typeface="Arial" panose="020B0604020202020204" pitchFamily="34" charset="0"/>
+                      <a:cs typeface="Arial" panose="020B0604020202020204" pitchFamily="34" charset="0"/>
+                    </a:rPr>
+                    <a:t>Location</a:t>
+                  </a:r>
+                </a:p>
+              </p:txBody>
+            </p:sp>
+            <p:sp>
+              <p:nvSpPr>
+                <p:cNvPr id="19" name="TextBox 18">
+                  <a:extLst>
+                    <a:ext uri="{FF2B5EF4-FFF2-40B4-BE49-F238E27FC236}">
+                      <a16:creationId xmlns:a16="http://schemas.microsoft.com/office/drawing/2014/main" id="{999C2B83-0D27-7F47-AF1F-A78D305940E3}"/>
+                    </a:ext>
+                  </a:extLst>
+                </p:cNvPr>
+                <p:cNvSpPr txBox="1"/>
+                <p:nvPr/>
+              </p:nvSpPr>
+              <p:spPr>
+                <a:xfrm>
+                  <a:off x="4976766" y="1928661"/>
+                  <a:ext cx="2401455" cy="430887"/>
+                </a:xfrm>
+                <a:prstGeom prst="rect">
+                  <a:avLst/>
+                </a:prstGeom>
+                <a:noFill/>
+              </p:spPr>
+              <p:txBody>
+                <a:bodyPr wrap="square" rtlCol="0">
+                  <a:spAutoFit/>
+                </a:bodyPr>
+                <a:lstStyle/>
+                <a:p>
+                  <a:r>
+                    <a:rPr lang="en-US" sz="2200" b="1" dirty="0">
+                      <a:solidFill>
+                        <a:schemeClr val="bg1"/>
+                      </a:solidFill>
+                      <a:latin typeface="Arial" panose="020B0604020202020204" pitchFamily="34" charset="0"/>
+                      <a:cs typeface="Arial" panose="020B0604020202020204" pitchFamily="34" charset="0"/>
+                    </a:rPr>
+                    <a:t>Customer</a:t>
+                  </a:r>
+                </a:p>
+              </p:txBody>
+            </p:sp>
+            <p:sp>
+              <p:nvSpPr>
+                <p:cNvPr id="20" name="TextBox 19">
+                  <a:extLst>
+                    <a:ext uri="{FF2B5EF4-FFF2-40B4-BE49-F238E27FC236}">
+                      <a16:creationId xmlns:a16="http://schemas.microsoft.com/office/drawing/2014/main" id="{F72E0E0E-C9CD-3042-BF90-33E857F9EAE9}"/>
+                    </a:ext>
+                  </a:extLst>
+                </p:cNvPr>
+                <p:cNvSpPr txBox="1"/>
+                <p:nvPr/>
+              </p:nvSpPr>
+              <p:spPr>
+                <a:xfrm>
+                  <a:off x="3776038" y="2446573"/>
+                  <a:ext cx="2401455" cy="369332"/>
+                </a:xfrm>
+                <a:prstGeom prst="rect">
+                  <a:avLst/>
+                </a:prstGeom>
+                <a:noFill/>
+              </p:spPr>
+              <p:txBody>
+                <a:bodyPr wrap="square" rtlCol="0">
+                  <a:spAutoFit/>
+                </a:bodyPr>
+                <a:lstStyle/>
+                <a:p>
+                  <a:r>
+                    <a:rPr lang="en-US" b="1" dirty="0">
+                      <a:solidFill>
+                        <a:schemeClr val="bg1"/>
+                      </a:solidFill>
+                      <a:latin typeface="Arial" panose="020B0604020202020204" pitchFamily="34" charset="0"/>
+                      <a:cs typeface="Arial" panose="020B0604020202020204" pitchFamily="34" charset="0"/>
+                    </a:rPr>
+                    <a:t>Mobile</a:t>
+                  </a:r>
+                </a:p>
+              </p:txBody>
+            </p:sp>
+            <p:sp>
+              <p:nvSpPr>
+                <p:cNvPr id="21" name="TextBox 20">
+                  <a:extLst>
+                    <a:ext uri="{FF2B5EF4-FFF2-40B4-BE49-F238E27FC236}">
+                      <a16:creationId xmlns:a16="http://schemas.microsoft.com/office/drawing/2014/main" id="{3A6E3B8A-D400-E844-965F-A838BD7BD8C4}"/>
+                    </a:ext>
+                  </a:extLst>
+                </p:cNvPr>
+                <p:cNvSpPr txBox="1"/>
+                <p:nvPr/>
+              </p:nvSpPr>
+              <p:spPr>
+                <a:xfrm>
+                  <a:off x="4030683" y="1403679"/>
+                  <a:ext cx="2401455" cy="369332"/>
+                </a:xfrm>
+                <a:prstGeom prst="rect">
+                  <a:avLst/>
+                </a:prstGeom>
+                <a:noFill/>
+              </p:spPr>
+              <p:txBody>
+                <a:bodyPr wrap="square" rtlCol="0">
+                  <a:spAutoFit/>
+                </a:bodyPr>
+                <a:lstStyle/>
+                <a:p>
+                  <a:r>
+                    <a:rPr lang="en-US" b="1" dirty="0">
+                      <a:solidFill>
+                        <a:schemeClr val="bg1"/>
+                      </a:solidFill>
+                      <a:latin typeface="Arial" panose="020B0604020202020204" pitchFamily="34" charset="0"/>
+                      <a:cs typeface="Arial" panose="020B0604020202020204" pitchFamily="34" charset="0"/>
+                    </a:rPr>
+                    <a:t>Date / Time</a:t>
+                  </a:r>
+                </a:p>
+              </p:txBody>
+            </p:sp>
+          </p:grpSp>
+          <p:sp>
+            <p:nvSpPr>
+              <p:cNvPr id="23" name="TextBox 22">
+                <a:extLst>
+                  <a:ext uri="{FF2B5EF4-FFF2-40B4-BE49-F238E27FC236}">
+                    <a16:creationId xmlns:a16="http://schemas.microsoft.com/office/drawing/2014/main" id="{B83FBC84-632F-8648-99AB-D7FE128F24F9}"/>
+                  </a:ext>
+                </a:extLst>
+              </p:cNvPr>
+              <p:cNvSpPr txBox="1"/>
+              <p:nvPr/>
+            </p:nvSpPr>
+            <p:spPr>
+              <a:xfrm>
+                <a:off x="3289851" y="4943439"/>
+                <a:ext cx="2243470" cy="400110"/>
+              </a:xfrm>
+              <a:prstGeom prst="rect">
+                <a:avLst/>
+              </a:prstGeom>
+              <a:noFill/>
+            </p:spPr>
+            <p:txBody>
+              <a:bodyPr wrap="square" rtlCol="0">
+                <a:spAutoFit/>
+              </a:bodyPr>
+              <a:lstStyle/>
+              <a:p>
+                <a:r>
+                  <a:rPr lang="en-US" sz="2000" b="1" dirty="0">
+                    <a:solidFill>
+                      <a:srgbClr val="6B92BC"/>
+                    </a:solidFill>
+                    <a:latin typeface="Arial" panose="020B0604020202020204" pitchFamily="34" charset="0"/>
+                    <a:cs typeface="Arial" panose="020B0604020202020204" pitchFamily="34" charset="0"/>
+                  </a:rPr>
+                  <a:t>Census Data</a:t>
+                </a:r>
+              </a:p>
+            </p:txBody>
+          </p:sp>
+          <p:sp>
+            <p:nvSpPr>
+              <p:cNvPr id="24" name="TextBox 23">
+                <a:extLst>
+                  <a:ext uri="{FF2B5EF4-FFF2-40B4-BE49-F238E27FC236}">
+                    <a16:creationId xmlns:a16="http://schemas.microsoft.com/office/drawing/2014/main" id="{66F6A652-BB13-1A4D-8CD7-E403D3237A38}"/>
+                  </a:ext>
+                </a:extLst>
+              </p:cNvPr>
+              <p:cNvSpPr txBox="1"/>
+              <p:nvPr/>
+            </p:nvSpPr>
+            <p:spPr>
+              <a:xfrm>
+                <a:off x="5047237" y="5001474"/>
+                <a:ext cx="2243470" cy="707886"/>
+              </a:xfrm>
+              <a:prstGeom prst="rect">
+                <a:avLst/>
+              </a:prstGeom>
+              <a:noFill/>
+            </p:spPr>
+            <p:txBody>
+              <a:bodyPr wrap="square" rtlCol="0">
+                <a:spAutoFit/>
+              </a:bodyPr>
+              <a:lstStyle/>
+              <a:p>
+                <a:pPr algn="ctr"/>
+                <a:r>
+                  <a:rPr lang="en-US" sz="2000" b="1" dirty="0">
+                    <a:solidFill>
+                      <a:srgbClr val="6B92BC"/>
+                    </a:solidFill>
+                    <a:latin typeface="Arial" panose="020B0604020202020204" pitchFamily="34" charset="0"/>
+                    <a:cs typeface="Arial" panose="020B0604020202020204" pitchFamily="34" charset="0"/>
+                  </a:rPr>
+                  <a:t>Economic Indicators</a:t>
+                </a:r>
+              </a:p>
+            </p:txBody>
+          </p:sp>
+          <p:sp>
+            <p:nvSpPr>
+              <p:cNvPr id="25" name="TextBox 24">
+                <a:extLst>
+                  <a:ext uri="{FF2B5EF4-FFF2-40B4-BE49-F238E27FC236}">
+                    <a16:creationId xmlns:a16="http://schemas.microsoft.com/office/drawing/2014/main" id="{6918736C-5252-8948-BDE6-3235431F7740}"/>
+                  </a:ext>
+                </a:extLst>
+              </p:cNvPr>
+              <p:cNvSpPr txBox="1"/>
+              <p:nvPr/>
+            </p:nvSpPr>
+            <p:spPr>
+              <a:xfrm>
+                <a:off x="8386626" y="3236394"/>
+                <a:ext cx="2243470" cy="707886"/>
+              </a:xfrm>
+              <a:prstGeom prst="rect">
+                <a:avLst/>
+              </a:prstGeom>
+              <a:noFill/>
+            </p:spPr>
+            <p:txBody>
+              <a:bodyPr wrap="square" rtlCol="0">
+                <a:spAutoFit/>
+              </a:bodyPr>
+              <a:lstStyle/>
+              <a:p>
+                <a:pPr algn="ctr"/>
+                <a:r>
+                  <a:rPr lang="en-US" sz="2000" b="1" dirty="0">
+                    <a:solidFill>
+                      <a:srgbClr val="00B153"/>
+                    </a:solidFill>
+                    <a:latin typeface="Arial" panose="020B0604020202020204" pitchFamily="34" charset="0"/>
+                    <a:cs typeface="Arial" panose="020B0604020202020204" pitchFamily="34" charset="0"/>
+                  </a:rPr>
+                  <a:t>Marketing </a:t>
+                </a:r>
+              </a:p>
+              <a:p>
+                <a:pPr algn="ctr"/>
+                <a:r>
+                  <a:rPr lang="en-US" sz="2000" b="1" dirty="0">
+                    <a:solidFill>
+                      <a:srgbClr val="00B153"/>
+                    </a:solidFill>
+                    <a:latin typeface="Arial" panose="020B0604020202020204" pitchFamily="34" charset="0"/>
+                    <a:cs typeface="Arial" panose="020B0604020202020204" pitchFamily="34" charset="0"/>
+                  </a:rPr>
+                  <a:t>Info</a:t>
+                </a:r>
+              </a:p>
+            </p:txBody>
+          </p:sp>
+          <p:sp>
+            <p:nvSpPr>
+              <p:cNvPr id="26" name="TextBox 25">
+                <a:extLst>
+                  <a:ext uri="{FF2B5EF4-FFF2-40B4-BE49-F238E27FC236}">
+                    <a16:creationId xmlns:a16="http://schemas.microsoft.com/office/drawing/2014/main" id="{866BF143-6B0D-6943-97B5-D7BC9EA56BDB}"/>
+                  </a:ext>
+                </a:extLst>
+              </p:cNvPr>
+              <p:cNvSpPr txBox="1"/>
+              <p:nvPr/>
+            </p:nvSpPr>
+            <p:spPr>
+              <a:xfrm>
+                <a:off x="8181128" y="4212980"/>
+                <a:ext cx="2243470" cy="400110"/>
+              </a:xfrm>
+              <a:prstGeom prst="rect">
+                <a:avLst/>
+              </a:prstGeom>
+              <a:noFill/>
+            </p:spPr>
+            <p:txBody>
+              <a:bodyPr wrap="square" rtlCol="0">
+                <a:spAutoFit/>
+              </a:bodyPr>
+              <a:lstStyle/>
+              <a:p>
+                <a:r>
+                  <a:rPr lang="en-US" sz="2000" b="1" dirty="0">
+                    <a:solidFill>
+                      <a:srgbClr val="00B153"/>
+                    </a:solidFill>
+                    <a:latin typeface="Arial" panose="020B0604020202020204" pitchFamily="34" charset="0"/>
+                    <a:cs typeface="Arial" panose="020B0604020202020204" pitchFamily="34" charset="0"/>
+                  </a:rPr>
+                  <a:t>Discount Info</a:t>
+                </a:r>
+              </a:p>
+            </p:txBody>
+          </p:sp>
+          <p:sp>
+            <p:nvSpPr>
+              <p:cNvPr id="27" name="TextBox 26">
+                <a:extLst>
+                  <a:ext uri="{FF2B5EF4-FFF2-40B4-BE49-F238E27FC236}">
+                    <a16:creationId xmlns:a16="http://schemas.microsoft.com/office/drawing/2014/main" id="{3682BEE7-9F55-E245-A2D6-A9F997C09C51}"/>
+                  </a:ext>
+                </a:extLst>
+              </p:cNvPr>
+              <p:cNvSpPr txBox="1"/>
+              <p:nvPr/>
+            </p:nvSpPr>
+            <p:spPr>
+              <a:xfrm>
+                <a:off x="6305826" y="483604"/>
+                <a:ext cx="2243470" cy="707886"/>
+              </a:xfrm>
+              <a:prstGeom prst="rect">
+                <a:avLst/>
+              </a:prstGeom>
+              <a:noFill/>
+            </p:spPr>
+            <p:txBody>
+              <a:bodyPr wrap="square" rtlCol="0">
+                <a:spAutoFit/>
+              </a:bodyPr>
+              <a:lstStyle/>
+              <a:p>
+                <a:pPr algn="ctr"/>
+                <a:r>
+                  <a:rPr lang="en-US" sz="2000" b="1" dirty="0">
+                    <a:solidFill>
+                      <a:srgbClr val="FC7E38"/>
+                    </a:solidFill>
+                    <a:latin typeface="Arial" panose="020B0604020202020204" pitchFamily="34" charset="0"/>
+                    <a:cs typeface="Arial" panose="020B0604020202020204" pitchFamily="34" charset="0"/>
+                  </a:rPr>
+                  <a:t>Industry Statistics</a:t>
+                </a:r>
+              </a:p>
+            </p:txBody>
+          </p:sp>
+          <p:sp>
+            <p:nvSpPr>
+              <p:cNvPr id="29" name="TextBox 28">
+                <a:extLst>
+                  <a:ext uri="{FF2B5EF4-FFF2-40B4-BE49-F238E27FC236}">
+                    <a16:creationId xmlns:a16="http://schemas.microsoft.com/office/drawing/2014/main" id="{16A3B6DE-CB2E-9147-A079-DB5077D35E54}"/>
+                  </a:ext>
+                </a:extLst>
+              </p:cNvPr>
+              <p:cNvSpPr txBox="1"/>
+              <p:nvPr/>
+            </p:nvSpPr>
+            <p:spPr>
+              <a:xfrm>
+                <a:off x="1290429" y="1391098"/>
+                <a:ext cx="2243470" cy="707886"/>
+              </a:xfrm>
+              <a:prstGeom prst="rect">
+                <a:avLst/>
+              </a:prstGeom>
+              <a:noFill/>
+            </p:spPr>
+            <p:txBody>
+              <a:bodyPr wrap="square" rtlCol="0">
+                <a:spAutoFit/>
+              </a:bodyPr>
+              <a:lstStyle/>
+              <a:p>
+                <a:pPr algn="ctr"/>
+                <a:r>
+                  <a:rPr lang="en-US" sz="2000" b="1" dirty="0">
+                    <a:solidFill>
+                      <a:srgbClr val="FFC93A"/>
+                    </a:solidFill>
+                    <a:latin typeface="Arial" panose="020B0604020202020204" pitchFamily="34" charset="0"/>
+                    <a:cs typeface="Arial" panose="020B0604020202020204" pitchFamily="34" charset="0"/>
+                  </a:rPr>
+                  <a:t>Google</a:t>
+                </a:r>
+              </a:p>
+              <a:p>
+                <a:pPr algn="ctr"/>
+                <a:r>
+                  <a:rPr lang="en-US" sz="2000" b="1" dirty="0">
+                    <a:solidFill>
+                      <a:srgbClr val="FFC93A"/>
+                    </a:solidFill>
+                    <a:latin typeface="Arial" panose="020B0604020202020204" pitchFamily="34" charset="0"/>
+                    <a:cs typeface="Arial" panose="020B0604020202020204" pitchFamily="34" charset="0"/>
+                  </a:rPr>
+                  <a:t>Trends</a:t>
+                </a:r>
+              </a:p>
+            </p:txBody>
+          </p:sp>
+        </p:grpSp>
+        <p:sp>
+          <p:nvSpPr>
+            <p:cNvPr id="31" name="TextBox 30">
+              <a:extLst>
+                <a:ext uri="{FF2B5EF4-FFF2-40B4-BE49-F238E27FC236}">
+                  <a16:creationId xmlns:a16="http://schemas.microsoft.com/office/drawing/2014/main" id="{890C721E-9A88-464C-8AD0-865F45DF3E93}"/>
+                </a:ext>
+              </a:extLst>
+            </p:cNvPr>
+            <p:cNvSpPr txBox="1"/>
+            <p:nvPr/>
+          </p:nvSpPr>
+          <p:spPr>
+            <a:xfrm>
+              <a:off x="404037" y="5784343"/>
+              <a:ext cx="11206716" cy="646331"/>
+            </a:xfrm>
+            <a:prstGeom prst="rect">
+              <a:avLst/>
+            </a:prstGeom>
+            <a:noFill/>
+          </p:spPr>
+          <p:txBody>
+            <a:bodyPr wrap="square" rtlCol="0">
+              <a:spAutoFit/>
+            </a:bodyPr>
+            <a:lstStyle/>
+            <a:p>
+              <a:pPr algn="just"/>
+              <a:r>
+                <a:rPr lang="en-US" dirty="0"/>
+                <a:t>Figure 1. </a:t>
+              </a:r>
+              <a:r>
+                <a:rPr lang="en-US" dirty="0" err="1"/>
+                <a:t>Eftpos</a:t>
+              </a:r>
+              <a:r>
+                <a:rPr lang="en-US" dirty="0"/>
+                <a:t> Knowledge Base (Entities’ Profile Database). Variables in ellipse are those </a:t>
+              </a:r>
+              <a:r>
+                <a:rPr lang="en-US" dirty="0" err="1"/>
+                <a:t>Eftpos</a:t>
+              </a:r>
+              <a:r>
+                <a:rPr lang="en-US" dirty="0"/>
+                <a:t> already have. Variables outside are accessible external sources from Bureau of Statistics, company’s website etc.</a:t>
+              </a:r>
+            </a:p>
+          </p:txBody>
+        </p:sp>
+        <p:sp>
+          <p:nvSpPr>
+            <p:cNvPr id="32" name="TextBox 31">
+              <a:extLst>
+                <a:ext uri="{FF2B5EF4-FFF2-40B4-BE49-F238E27FC236}">
+                  <a16:creationId xmlns:a16="http://schemas.microsoft.com/office/drawing/2014/main" id="{10B543F6-7B1F-9F49-93AD-B6C3479C3B36}"/>
+                </a:ext>
+              </a:extLst>
+            </p:cNvPr>
+            <p:cNvSpPr txBox="1"/>
+            <p:nvPr/>
+          </p:nvSpPr>
+          <p:spPr>
+            <a:xfrm>
+              <a:off x="1648727" y="108100"/>
+              <a:ext cx="3677815" cy="430887"/>
+            </a:xfrm>
+            <a:prstGeom prst="rect">
+              <a:avLst/>
+            </a:prstGeom>
+            <a:noFill/>
+          </p:spPr>
+          <p:txBody>
+            <a:bodyPr wrap="square" rtlCol="0">
+              <a:spAutoFit/>
+            </a:bodyPr>
+            <a:lstStyle/>
+            <a:p>
+              <a:pPr algn="ctr"/>
+              <a:r>
+                <a:rPr lang="en-US" sz="2200" b="1" dirty="0" err="1">
+                  <a:latin typeface="Arial" panose="020B0604020202020204" pitchFamily="34" charset="0"/>
+                  <a:cs typeface="Arial" panose="020B0604020202020204" pitchFamily="34" charset="0"/>
+                </a:rPr>
+                <a:t>Eftpos</a:t>
+              </a:r>
+              <a:r>
+                <a:rPr lang="en-US" sz="2200" b="1" dirty="0">
+                  <a:latin typeface="Arial" panose="020B0604020202020204" pitchFamily="34" charset="0"/>
+                  <a:cs typeface="Arial" panose="020B0604020202020204" pitchFamily="34" charset="0"/>
+                </a:rPr>
+                <a:t> Knowledge Base</a:t>
+              </a:r>
+            </a:p>
+          </p:txBody>
+        </p:sp>
+      </p:grpSp>
+    </p:spTree>
+    <p:extLst>
+      <p:ext uri="{BB962C8B-B14F-4D97-AF65-F5344CB8AC3E}">
+        <p14:creationId xmlns:p14="http://schemas.microsoft.com/office/powerpoint/2010/main" val="109704498"/>
+      </p:ext>
+    </p:extLst>
+  </p:cSld>
+  <p:clrMapOvr>
+    <a:masterClrMapping/>
+  </p:clrMapOvr>
+</p:sld>
+</file>
+
 <file path=ppt/theme/theme1.xml><?xml version="1.0" encoding="utf-8"?>
 <a:theme xmlns:a="http://schemas.openxmlformats.org/drawingml/2006/main" name="Office Theme">
   <a:themeElements>
@@ -6238,4 +7564,299 @@
     </a:ext>
   </a:extLst>
 </a:theme>
+</file>
+
+<file path=ppt/theme/theme2.xml><?xml version="1.0" encoding="utf-8"?>
+<a:theme xmlns:a="http://schemas.openxmlformats.org/drawingml/2006/main" name="Office Theme">
+  <a:themeElements>
+    <a:clrScheme name="Office">
+      <a:dk1>
+        <a:sysClr val="windowText" lastClr="000000"/>
+      </a:dk1>
+      <a:lt1>
+        <a:sysClr val="window" lastClr="FFFFFF"/>
+      </a:lt1>
+      <a:dk2>
+        <a:srgbClr val="44546A"/>
+      </a:dk2>
+      <a:lt2>
+        <a:srgbClr val="E7E6E6"/>
+      </a:lt2>
+      <a:accent1>
+        <a:srgbClr val="4472C4"/>
+      </a:accent1>
+      <a:accent2>
+        <a:srgbClr val="ED7D31"/>
+      </a:accent2>
+      <a:accent3>
+        <a:srgbClr val="A5A5A5"/>
+      </a:accent3>
+      <a:accent4>
+        <a:srgbClr val="FFC000"/>
+      </a:accent4>
+      <a:accent5>
+        <a:srgbClr val="5B9BD5"/>
+      </a:accent5>
+      <a:accent6>
+        <a:srgbClr val="70AD47"/>
+      </a:accent6>
+      <a:hlink>
+        <a:srgbClr val="0563C1"/>
+      </a:hlink>
+      <a:folHlink>
+        <a:srgbClr val="954F72"/>
+      </a:folHlink>
+    </a:clrScheme>
+    <a:fontScheme name="Office">
+      <a:majorFont>
+        <a:latin typeface="Calibri Light" panose="020F0302020204030204"/>
+        <a:ea typeface=""/>
+        <a:cs typeface=""/>
+        <a:font script="Jpan" typeface="游ゴシック Light"/>
+        <a:font script="Hang" typeface="맑은 고딕"/>
+        <a:font script="Hans" typeface="等线 Light"/>
+        <a:font script="Hant" typeface="新細明體"/>
+        <a:font script="Arab" typeface="Times New Roman"/>
+        <a:font script="Hebr" typeface="Times New Roman"/>
+        <a:font script="Thai" typeface="Angsana New"/>
+        <a:font script="Ethi" typeface="Nyala"/>
+        <a:font script="Beng" typeface="Vrinda"/>
+        <a:font script="Gujr" typeface="Shruti"/>
+        <a:font script="Khmr" typeface="MoolBoran"/>
+        <a:font script="Knda" typeface="Tunga"/>
+        <a:font script="Guru" typeface="Raavi"/>
+        <a:font script="Cans" typeface="Euphemia"/>
+        <a:font script="Cher" typeface="Plantagenet Cherokee"/>
+        <a:font script="Yiii" typeface="Microsoft Yi Baiti"/>
+        <a:font script="Tibt" typeface="Microsoft Himalaya"/>
+        <a:font script="Thaa" typeface="MV Boli"/>
+        <a:font script="Deva" typeface="Mangal"/>
+        <a:font script="Telu" typeface="Gautami"/>
+        <a:font script="Taml" typeface="Latha"/>
+        <a:font script="Syrc" typeface="Estrangelo Edessa"/>
+        <a:font script="Orya" typeface="Kalinga"/>
+        <a:font script="Mlym" typeface="Kartika"/>
+        <a:font script="Laoo" typeface="DokChampa"/>
+        <a:font script="Sinh" typeface="Iskoola Pota"/>
+        <a:font script="Mong" typeface="Mongolian Baiti"/>
+        <a:font script="Viet" typeface="Times New Roman"/>
+        <a:font script="Uigh" typeface="Microsoft Uighur"/>
+        <a:font script="Geor" typeface="Sylfaen"/>
+        <a:font script="Armn" typeface="Arial"/>
+        <a:font script="Bugi" typeface="Leelawadee UI"/>
+        <a:font script="Bopo" typeface="Microsoft JhengHei"/>
+        <a:font script="Java" typeface="Javanese Text"/>
+        <a:font script="Lisu" typeface="Segoe UI"/>
+        <a:font script="Mymr" typeface="Myanmar Text"/>
+        <a:font script="Nkoo" typeface="Ebrima"/>
+        <a:font script="Olck" typeface="Nirmala UI"/>
+        <a:font script="Osma" typeface="Ebrima"/>
+        <a:font script="Phag" typeface="Phagspa"/>
+        <a:font script="Syrn" typeface="Estrangelo Edessa"/>
+        <a:font script="Syrj" typeface="Estrangelo Edessa"/>
+        <a:font script="Syre" typeface="Estrangelo Edessa"/>
+        <a:font script="Sora" typeface="Nirmala UI"/>
+        <a:font script="Tale" typeface="Microsoft Tai Le"/>
+        <a:font script="Talu" typeface="Microsoft New Tai Lue"/>
+        <a:font script="Tfng" typeface="Ebrima"/>
+      </a:majorFont>
+      <a:minorFont>
+        <a:latin typeface="Calibri" panose="020F0502020204030204"/>
+        <a:ea typeface=""/>
+        <a:cs typeface=""/>
+        <a:font script="Jpan" typeface="游ゴシック"/>
+        <a:font script="Hang" typeface="맑은 고딕"/>
+        <a:font script="Hans" typeface="等线"/>
+        <a:font script="Hant" typeface="新細明體"/>
+        <a:font script="Arab" typeface="Arial"/>
+        <a:font script="Hebr" typeface="Arial"/>
+        <a:font script="Thai" typeface="Cordia New"/>
+        <a:font script="Ethi" typeface="Nyala"/>
+        <a:font script="Beng" typeface="Vrinda"/>
+        <a:font script="Gujr" typeface="Shruti"/>
+        <a:font script="Khmr" typeface="DaunPenh"/>
+        <a:font script="Knda" typeface="Tunga"/>
+        <a:font script="Guru" typeface="Raavi"/>
+        <a:font script="Cans" typeface="Euphemia"/>
+        <a:font script="Cher" typeface="Plantagenet Cherokee"/>
+        <a:font script="Yiii" typeface="Microsoft Yi Baiti"/>
+        <a:font script="Tibt" typeface="Microsoft Himalaya"/>
+        <a:font script="Thaa" typeface="MV Boli"/>
+        <a:font script="Deva" typeface="Mangal"/>
+        <a:font script="Telu" typeface="Gautami"/>
+        <a:font script="Taml" typeface="Latha"/>
+        <a:font script="Syrc" typeface="Estrangelo Edessa"/>
+        <a:font script="Orya" typeface="Kalinga"/>
+        <a:font script="Mlym" typeface="Kartika"/>
+        <a:font script="Laoo" typeface="DokChampa"/>
+        <a:font script="Sinh" typeface="Iskoola Pota"/>
+        <a:font script="Mong" typeface="Mongolian Baiti"/>
+        <a:font script="Viet" typeface="Arial"/>
+        <a:font script="Uigh" typeface="Microsoft Uighur"/>
+        <a:font script="Geor" typeface="Sylfaen"/>
+        <a:font script="Armn" typeface="Arial"/>
+        <a:font script="Bugi" typeface="Leelawadee UI"/>
+        <a:font script="Bopo" typeface="Microsoft JhengHei"/>
+        <a:font script="Java" typeface="Javanese Text"/>
+        <a:font script="Lisu" typeface="Segoe UI"/>
+        <a:font script="Mymr" typeface="Myanmar Text"/>
+        <a:font script="Nkoo" typeface="Ebrima"/>
+        <a:font script="Olck" typeface="Nirmala UI"/>
+        <a:font script="Osma" typeface="Ebrima"/>
+        <a:font script="Phag" typeface="Phagspa"/>
+        <a:font script="Syrn" typeface="Estrangelo Edessa"/>
+        <a:font script="Syrj" typeface="Estrangelo Edessa"/>
+        <a:font script="Syre" typeface="Estrangelo Edessa"/>
+        <a:font script="Sora" typeface="Nirmala UI"/>
+        <a:font script="Tale" typeface="Microsoft Tai Le"/>
+        <a:font script="Talu" typeface="Microsoft New Tai Lue"/>
+        <a:font script="Tfng" typeface="Ebrima"/>
+      </a:minorFont>
+    </a:fontScheme>
+    <a:fmtScheme name="Office">
+      <a:fillStyleLst>
+        <a:solidFill>
+          <a:schemeClr val="phClr"/>
+        </a:solidFill>
+        <a:gradFill rotWithShape="1">
+          <a:gsLst>
+            <a:gs pos="0">
+              <a:schemeClr val="phClr">
+                <a:lumMod val="110000"/>
+                <a:satMod val="105000"/>
+                <a:tint val="67000"/>
+              </a:schemeClr>
+            </a:gs>
+            <a:gs pos="50000">
+              <a:schemeClr val="phClr">
+                <a:lumMod val="105000"/>
+                <a:satMod val="103000"/>
+                <a:tint val="73000"/>
+              </a:schemeClr>
+            </a:gs>
+            <a:gs pos="100000">
+              <a:schemeClr val="phClr">
+                <a:lumMod val="105000"/>
+                <a:satMod val="109000"/>
+                <a:tint val="81000"/>
+              </a:schemeClr>
+            </a:gs>
+          </a:gsLst>
+          <a:lin ang="5400000" scaled="0"/>
+        </a:gradFill>
+        <a:gradFill rotWithShape="1">
+          <a:gsLst>
+            <a:gs pos="0">
+              <a:schemeClr val="phClr">
+                <a:satMod val="103000"/>
+                <a:lumMod val="102000"/>
+                <a:tint val="94000"/>
+              </a:schemeClr>
+            </a:gs>
+            <a:gs pos="50000">
+              <a:schemeClr val="phClr">
+                <a:satMod val="110000"/>
+                <a:lumMod val="100000"/>
+                <a:shade val="100000"/>
+              </a:schemeClr>
+            </a:gs>
+            <a:gs pos="100000">
+              <a:schemeClr val="phClr">
+                <a:lumMod val="99000"/>
+                <a:satMod val="120000"/>
+                <a:shade val="78000"/>
+              </a:schemeClr>
+            </a:gs>
+          </a:gsLst>
+          <a:lin ang="5400000" scaled="0"/>
+        </a:gradFill>
+      </a:fillStyleLst>
+      <a:lnStyleLst>
+        <a:ln w="6350" cap="flat" cmpd="sng" algn="ctr">
+          <a:solidFill>
+            <a:schemeClr val="phClr"/>
+          </a:solidFill>
+          <a:prstDash val="solid"/>
+          <a:miter lim="800000"/>
+        </a:ln>
+        <a:ln w="12700" cap="flat" cmpd="sng" algn="ctr">
+          <a:solidFill>
+            <a:schemeClr val="phClr"/>
+          </a:solidFill>
+          <a:prstDash val="solid"/>
+          <a:miter lim="800000"/>
+        </a:ln>
+        <a:ln w="19050" cap="flat" cmpd="sng" algn="ctr">
+          <a:solidFill>
+            <a:schemeClr val="phClr"/>
+          </a:solidFill>
+          <a:prstDash val="solid"/>
+          <a:miter lim="800000"/>
+        </a:ln>
+      </a:lnStyleLst>
+      <a:effectStyleLst>
+        <a:effectStyle>
+          <a:effectLst/>
+        </a:effectStyle>
+        <a:effectStyle>
+          <a:effectLst/>
+        </a:effectStyle>
+        <a:effectStyle>
+          <a:effectLst>
+            <a:outerShdw blurRad="57150" dist="19050" dir="5400000" algn="ctr" rotWithShape="0">
+              <a:srgbClr val="000000">
+                <a:alpha val="63000"/>
+              </a:srgbClr>
+            </a:outerShdw>
+          </a:effectLst>
+        </a:effectStyle>
+      </a:effectStyleLst>
+      <a:bgFillStyleLst>
+        <a:solidFill>
+          <a:schemeClr val="phClr"/>
+        </a:solidFill>
+        <a:solidFill>
+          <a:schemeClr val="phClr">
+            <a:tint val="95000"/>
+            <a:satMod val="170000"/>
+          </a:schemeClr>
+        </a:solidFill>
+        <a:gradFill rotWithShape="1">
+          <a:gsLst>
+            <a:gs pos="0">
+              <a:schemeClr val="phClr">
+                <a:tint val="93000"/>
+                <a:satMod val="150000"/>
+                <a:shade val="98000"/>
+                <a:lumMod val="102000"/>
+              </a:schemeClr>
+            </a:gs>
+            <a:gs pos="50000">
+              <a:schemeClr val="phClr">
+                <a:tint val="98000"/>
+                <a:satMod val="130000"/>
+                <a:shade val="90000"/>
+                <a:lumMod val="103000"/>
+              </a:schemeClr>
+            </a:gs>
+            <a:gs pos="100000">
+              <a:schemeClr val="phClr">
+                <a:shade val="63000"/>
+                <a:satMod val="120000"/>
+              </a:schemeClr>
+            </a:gs>
+          </a:gsLst>
+          <a:lin ang="5400000" scaled="0"/>
+        </a:gradFill>
+      </a:bgFillStyleLst>
+    </a:fmtScheme>
+  </a:themeElements>
+  <a:objectDefaults/>
+  <a:extraClrSchemeLst/>
+  <a:extLst>
+    <a:ext uri="{05A4C25C-085E-4340-85A3-A5531E510DB2}">
+      <thm15:themeFamily xmlns:thm15="http://schemas.microsoft.com/office/thememl/2012/main" name="Office Theme" id="{62F939B6-93AF-4DB8-9C6B-D6C7DFDC589F}" vid="{4A3C46E8-61CC-4603-A589-7422A47A8E4A}"/>
+    </a:ext>
+  </a:extLst>
+</a:theme>
 </file>